--- a/Autonomous Debating System.pptx
+++ b/Autonomous Debating System.pptx
@@ -1,6 +1,6 @@
 
 <file path=ppt/presentation.xml><?xml version="1.0" encoding="utf-8"?>
-<p:presentation xmlns:a="http://schemas.openxmlformats.org/drawingml/2006/main" xmlns:r="http://schemas.openxmlformats.org/officeDocument/2006/relationships" xmlns:p="http://schemas.openxmlformats.org/presentationml/2006/main" firstSlideNum="2" autoCompressPictures="0">
+<p:presentation xmlns:a="http://schemas.openxmlformats.org/drawingml/2006/main" xmlns:r="http://schemas.openxmlformats.org/officeDocument/2006/relationships" xmlns:p="http://schemas.openxmlformats.org/presentationml/2006/main" showSpecialPlsOnTitleSld="0" autoCompressPictures="0">
   <p:sldMasterIdLst>
     <p:sldMasterId id="2147483708" r:id="rId1"/>
   </p:sldMasterIdLst>
@@ -470,6 +470,105 @@
 </p:notesMaster>
 </file>
 
+<file path=ppt/notesSlides/notesSlide1.xml><?xml version="1.0" encoding="utf-8"?>
+<p:notes xmlns:a="http://schemas.openxmlformats.org/drawingml/2006/main" xmlns:r="http://schemas.openxmlformats.org/officeDocument/2006/relationships" xmlns:p="http://schemas.openxmlformats.org/presentationml/2006/main">
+  <p:cSld>
+    <p:spTree>
+      <p:nvGrpSpPr>
+        <p:cNvPr id="1" name=""/>
+        <p:cNvGrpSpPr/>
+        <p:nvPr/>
+      </p:nvGrpSpPr>
+      <p:grpSpPr>
+        <a:xfrm>
+          <a:off x="0" y="0"/>
+          <a:ext cx="0" cy="0"/>
+          <a:chOff x="0" y="0"/>
+          <a:chExt cx="0" cy="0"/>
+        </a:xfrm>
+      </p:grpSpPr>
+      <p:sp>
+        <p:nvSpPr>
+          <p:cNvPr id="2" name="Tijdelijke aanduiding voor dia-afbeelding 1"/>
+          <p:cNvSpPr>
+            <a:spLocks noGrp="1" noRot="1" noChangeAspect="1"/>
+          </p:cNvSpPr>
+          <p:nvPr>
+            <p:ph type="sldImg"/>
+          </p:nvPr>
+        </p:nvSpPr>
+        <p:spPr/>
+      </p:sp>
+      <p:sp>
+        <p:nvSpPr>
+          <p:cNvPr id="3" name="Tijdelijke aanduiding voor notities 2"/>
+          <p:cNvSpPr>
+            <a:spLocks noGrp="1"/>
+          </p:cNvSpPr>
+          <p:nvPr>
+            <p:ph type="body" idx="1"/>
+          </p:nvPr>
+        </p:nvSpPr>
+        <p:spPr/>
+        <p:txBody>
+          <a:bodyPr/>
+          <a:lstStyle/>
+          <a:p>
+            <a:pPr marL="0" indent="0">
+              <a:buNone/>
+            </a:pPr>
+            <a:r>
+              <a:rPr lang="nl-BE" dirty="0"/>
+              <a:t>(Wikipedia concepts, pre-defined lexicon, …)</a:t>
+            </a:r>
+          </a:p>
+          <a:p>
+            <a:pPr marL="0" indent="0">
+              <a:buNone/>
+            </a:pPr>
+            <a:r>
+              <a:rPr lang="nl-BE" dirty="0"/>
+              <a:t>Topic expansion: (e.g.: debate about two-party system)</a:t>
+            </a:r>
+          </a:p>
+        </p:txBody>
+      </p:sp>
+      <p:sp>
+        <p:nvSpPr>
+          <p:cNvPr id="4" name="Tijdelijke aanduiding voor dianummer 3"/>
+          <p:cNvSpPr>
+            <a:spLocks noGrp="1"/>
+          </p:cNvSpPr>
+          <p:nvPr>
+            <p:ph type="sldNum" sz="quarter" idx="5"/>
+          </p:nvPr>
+        </p:nvSpPr>
+        <p:spPr/>
+        <p:txBody>
+          <a:bodyPr/>
+          <a:lstStyle/>
+          <a:p>
+            <a:fld id="{899F67EB-42F5-2942-9A1D-19A901EABD10}" type="slidenum">
+              <a:rPr lang="nl-BE" smtClean="0"/>
+              <a:t>5</a:t>
+            </a:fld>
+            <a:endParaRPr lang="nl-BE"/>
+          </a:p>
+        </p:txBody>
+      </p:sp>
+    </p:spTree>
+    <p:extLst>
+      <p:ext uri="{BB962C8B-B14F-4D97-AF65-F5344CB8AC3E}">
+        <p14:creationId xmlns:p14="http://schemas.microsoft.com/office/powerpoint/2010/main" val="3907311021"/>
+      </p:ext>
+    </p:extLst>
+  </p:cSld>
+  <p:clrMapOvr>
+    <a:masterClrMapping/>
+  </p:clrMapOvr>
+</p:notes>
+</file>
+
 <file path=ppt/slideLayouts/slideLayout1.xml><?xml version="1.0" encoding="utf-8"?>
 <p:sldLayout xmlns:a="http://schemas.openxmlformats.org/drawingml/2006/main" xmlns:r="http://schemas.openxmlformats.org/officeDocument/2006/relationships" xmlns:p="http://schemas.openxmlformats.org/presentationml/2006/main" showMasterSp="0" type="title" preserve="1">
   <p:cSld name="Titeldia">
@@ -637,7 +736,7 @@
             </a:lvl1pPr>
           </a:lstStyle>
           <a:p>
-            <a:fld id="{3709B3FD-D842-1648-B84F-BE52FF5BC7EC}" type="datetime1">
+            <a:fld id="{6B9BEA5E-FF36-434F-885E-1C9C14252B34}" type="datetime1">
               <a:rPr lang="nl-BE" smtClean="0"/>
               <a:t>2/08/2021</a:t>
             </a:fld>
@@ -972,7 +1071,7 @@
           <a:bodyPr/>
           <a:lstStyle/>
           <a:p>
-            <a:fld id="{A8116E60-ECFD-614F-AFB9-FBF10C0F9CCD}" type="datetime1">
+            <a:fld id="{63C9BEDD-ECD9-DC4E-91F6-2506365E832C}" type="datetime1">
               <a:rPr lang="nl-BE" smtClean="0"/>
               <a:t>2/08/2021</a:t>
             </a:fld>
@@ -1156,7 +1255,7 @@
           <a:bodyPr/>
           <a:lstStyle/>
           <a:p>
-            <a:fld id="{45EBC557-4D39-1646-B79B-03AD8122DDD9}" type="datetime1">
+            <a:fld id="{1C8C5E42-10D4-D34B-BDB6-7A1C95AE3561}" type="datetime1">
               <a:rPr lang="nl-BE" smtClean="0"/>
               <a:t>2/08/2021</a:t>
             </a:fld>
@@ -1330,7 +1429,7 @@
           <a:bodyPr/>
           <a:lstStyle/>
           <a:p>
-            <a:fld id="{B3A135B0-97CE-8C44-9E5F-5CF7D3AD3297}" type="datetime1">
+            <a:fld id="{B4A932E4-E86C-974A-AC88-8845F5B551DE}" type="datetime1">
               <a:rPr lang="nl-BE" smtClean="0"/>
               <a:t>2/08/2021</a:t>
             </a:fld>
@@ -1612,7 +1711,7 @@
             </a:lvl1pPr>
           </a:lstStyle>
           <a:p>
-            <a:fld id="{43B16DF2-020D-044D-AE9C-BEA01F27BD85}" type="datetime1">
+            <a:fld id="{8CBD92A8-4514-EA4F-81A2-A92161957E93}" type="datetime1">
               <a:rPr lang="nl-BE" smtClean="0"/>
               <a:t>2/08/2021</a:t>
             </a:fld>
@@ -2011,7 +2110,7 @@
           <a:bodyPr/>
           <a:lstStyle/>
           <a:p>
-            <a:fld id="{D4B2C1D8-BB2D-EA45-8E93-A18A3B732FDF}" type="datetime1">
+            <a:fld id="{E38B6ED4-35E7-5F40-89F6-7938F665FA21}" type="datetime1">
               <a:rPr lang="nl-BE" smtClean="0"/>
               <a:t>2/08/2021</a:t>
             </a:fld>
@@ -2492,7 +2591,7 @@
           <a:bodyPr/>
           <a:lstStyle/>
           <a:p>
-            <a:fld id="{4AC2BC2E-0E78-8C44-BCBD-3BAF55069039}" type="datetime1">
+            <a:fld id="{1ACBAD75-5F32-7747-9FF5-F4943EC089F2}" type="datetime1">
               <a:rPr lang="nl-BE" smtClean="0"/>
               <a:t>2/08/2021</a:t>
             </a:fld>
@@ -2615,7 +2714,7 @@
           <a:bodyPr/>
           <a:lstStyle/>
           <a:p>
-            <a:fld id="{956F9411-7D0A-EC44-8253-610E0D0D0309}" type="datetime1">
+            <a:fld id="{3221F317-A749-D447-8E0E-34E36DCAAD7F}" type="datetime1">
               <a:rPr lang="nl-BE" smtClean="0"/>
               <a:t>2/08/2021</a:t>
             </a:fld>
@@ -2714,7 +2813,7 @@
           <a:bodyPr/>
           <a:lstStyle/>
           <a:p>
-            <a:fld id="{ADD464D6-66C8-A94A-ACAF-3493F6C3047F}" type="datetime1">
+            <a:fld id="{C69CC1EF-51AB-C944-927A-57933F87E2DB}" type="datetime1">
               <a:rPr lang="nl-BE" smtClean="0"/>
               <a:t>2/08/2021</a:t>
             </a:fld>
@@ -3064,7 +3163,7 @@
             </a:lvl1pPr>
           </a:lstStyle>
           <a:p>
-            <a:fld id="{213BCE11-F69E-D042-8D84-2CC182502D69}" type="datetime1">
+            <a:fld id="{0858D2EE-EAAD-E94C-B511-C0BB794AE5A8}" type="datetime1">
               <a:rPr lang="nl-BE" smtClean="0"/>
               <a:t>2/08/2021</a:t>
             </a:fld>
@@ -3456,7 +3555,7 @@
             </a:lvl1pPr>
           </a:lstStyle>
           <a:p>
-            <a:fld id="{79AF1382-41A6-FD46-983B-0A1ADC51E663}" type="datetime1">
+            <a:fld id="{284C83EC-3E69-784E-9FCF-45C6A42AC3A2}" type="datetime1">
               <a:rPr lang="nl-BE" smtClean="0"/>
               <a:t>2/08/2021</a:t>
             </a:fld>
@@ -3738,7 +3837,7 @@
             </a:lvl1pPr>
           </a:lstStyle>
           <a:p>
-            <a:fld id="{45E20B9F-4AB4-9C49-86D4-87969C553EDB}" type="datetime1">
+            <a:fld id="{0497ED07-6941-744D-9DE3-D80F6BCEA8B7}" type="datetime1">
               <a:rPr lang="nl-BE" smtClean="0"/>
               <a:t>2/08/2021</a:t>
             </a:fld>
@@ -4314,65 +4413,6 @@
           </a:p>
         </p:txBody>
       </p:sp>
-      <p:sp>
-        <p:nvSpPr>
-          <p:cNvPr id="4" name="Tijdelijke aanduiding voor voettekst 3">
-            <a:extLst>
-              <a:ext uri="{FF2B5EF4-FFF2-40B4-BE49-F238E27FC236}">
-                <a16:creationId xmlns:a16="http://schemas.microsoft.com/office/drawing/2014/main" id="{471F97D2-B3A3-A34A-BBF1-E806C958861D}"/>
-              </a:ext>
-            </a:extLst>
-          </p:cNvPr>
-          <p:cNvSpPr>
-            <a:spLocks noGrp="1"/>
-          </p:cNvSpPr>
-          <p:nvPr>
-            <p:ph type="ftr" sz="quarter" idx="11"/>
-          </p:nvPr>
-        </p:nvSpPr>
-        <p:spPr/>
-        <p:txBody>
-          <a:bodyPr/>
-          <a:lstStyle/>
-          <a:p>
-            <a:r>
-              <a:rPr lang="en-US"/>
-              <a:t>Pauwel De Wilde - BeCode - Bouman 3.31</a:t>
-            </a:r>
-            <a:endParaRPr lang="en-US" dirty="0"/>
-          </a:p>
-        </p:txBody>
-      </p:sp>
-      <p:sp>
-        <p:nvSpPr>
-          <p:cNvPr id="5" name="Tijdelijke aanduiding voor dianummer 4">
-            <a:extLst>
-              <a:ext uri="{FF2B5EF4-FFF2-40B4-BE49-F238E27FC236}">
-                <a16:creationId xmlns:a16="http://schemas.microsoft.com/office/drawing/2014/main" id="{C27028E9-F9F2-CD4C-A497-CDFFFE9E8818}"/>
-              </a:ext>
-            </a:extLst>
-          </p:cNvPr>
-          <p:cNvSpPr>
-            <a:spLocks noGrp="1"/>
-          </p:cNvSpPr>
-          <p:nvPr>
-            <p:ph type="sldNum" sz="quarter" idx="12"/>
-          </p:nvPr>
-        </p:nvSpPr>
-        <p:spPr/>
-        <p:txBody>
-          <a:bodyPr/>
-          <a:lstStyle/>
-          <a:p>
-            <a:fld id="{8A7A6979-0714-4377-B894-6BE4C2D6E202}" type="slidenum">
-              <a:rPr lang="en-US" smtClean="0"/>
-              <a:pPr/>
-              <a:t>2</a:t>
-            </a:fld>
-            <a:endParaRPr lang="en-US" dirty="0"/>
-          </a:p>
-        </p:txBody>
-      </p:sp>
     </p:spTree>
     <p:extLst>
       <p:ext uri="{BB962C8B-B14F-4D97-AF65-F5344CB8AC3E}">
@@ -4551,7 +4591,7 @@
             <a:fld id="{8A7A6979-0714-4377-B894-6BE4C2D6E202}" type="slidenum">
               <a:rPr lang="en-US" smtClean="0"/>
               <a:pPr/>
-              <a:t>11</a:t>
+              <a:t>10</a:t>
             </a:fld>
             <a:endParaRPr lang="en-US" dirty="0"/>
           </a:p>
@@ -4640,9 +4680,36 @@
               <a:buNone/>
             </a:pPr>
             <a:r>
-              <a:rPr lang="nl-BE"/>
+              <a:rPr lang="nl-BE" dirty="0">
+                <a:hlinkClick r:id="rId2"/>
+              </a:rPr>
               <a:t>https://eorder.sheridan.com/3_0/app/orders/11030/files/assets/common/downloads/Slonim.pdf</a:t>
             </a:r>
+            <a:endParaRPr lang="nl-BE" dirty="0"/>
+          </a:p>
+          <a:p>
+            <a:pPr marL="0" indent="0">
+              <a:buNone/>
+            </a:pPr>
+            <a:endParaRPr lang="nl-BE" dirty="0"/>
+          </a:p>
+          <a:p>
+            <a:pPr marL="0" indent="0">
+              <a:buNone/>
+            </a:pPr>
+            <a:r>
+              <a:rPr lang="nl-BE">
+                <a:hlinkClick r:id="rId3"/>
+              </a:rPr>
+              <a:t>https://techxplore.com/news/2021-03-ibm-ai-debating-expert-human.html</a:t>
+            </a:r>
+            <a:endParaRPr lang="nl-BE"/>
+          </a:p>
+          <a:p>
+            <a:pPr marL="0" indent="0">
+              <a:buNone/>
+            </a:pPr>
+            <a:endParaRPr lang="nl-BE" dirty="0"/>
           </a:p>
         </p:txBody>
       </p:sp>
@@ -4699,7 +4766,7 @@
             <a:fld id="{8A7A6979-0714-4377-B894-6BE4C2D6E202}" type="slidenum">
               <a:rPr lang="en-US" smtClean="0"/>
               <a:pPr/>
-              <a:t>12</a:t>
+              <a:t>11</a:t>
             </a:fld>
             <a:endParaRPr lang="en-US" dirty="0"/>
           </a:p>
@@ -4793,12 +4860,6 @@
             <a:pPr marL="0" indent="0">
               <a:buNone/>
             </a:pPr>
-            <a:endParaRPr lang="nl-BE" dirty="0"/>
-          </a:p>
-          <a:p>
-            <a:pPr marL="0" indent="0">
-              <a:buNone/>
-            </a:pPr>
             <a:r>
               <a:rPr lang="nl-BE" dirty="0"/>
               <a:t>Clear link with language models:</a:t>
@@ -4886,7 +4947,7 @@
             <a:fld id="{8A7A6979-0714-4377-B894-6BE4C2D6E202}" type="slidenum">
               <a:rPr lang="en-US" smtClean="0"/>
               <a:pPr/>
-              <a:t>3</a:t>
+              <a:t>2</a:t>
             </a:fld>
             <a:endParaRPr lang="en-US" dirty="0"/>
           </a:p>
@@ -5076,7 +5137,7 @@
             <a:fld id="{8A7A6979-0714-4377-B894-6BE4C2D6E202}" type="slidenum">
               <a:rPr lang="en-US" smtClean="0"/>
               <a:pPr/>
-              <a:t>4</a:t>
+              <a:t>3</a:t>
             </a:fld>
             <a:endParaRPr lang="en-US" dirty="0"/>
           </a:p>
@@ -5266,7 +5327,7 @@
             <a:fld id="{8A7A6979-0714-4377-B894-6BE4C2D6E202}" type="slidenum">
               <a:rPr lang="en-US" smtClean="0"/>
               <a:pPr/>
-              <a:t>5</a:t>
+              <a:t>4</a:t>
             </a:fld>
             <a:endParaRPr lang="en-US" dirty="0"/>
           </a:p>
@@ -5377,7 +5438,7 @@
             </a:pPr>
             <a:r>
               <a:rPr lang="nl-BE" dirty="0"/>
-              <a:t>Indexed by the words used (Wikipedia concepts, pre-defined lexicon, …)</a:t>
+              <a:t>Indexed by the words used </a:t>
             </a:r>
           </a:p>
           <a:p>
@@ -5407,7 +5468,7 @@
             </a:pPr>
             <a:r>
               <a:rPr lang="nl-BE" dirty="0"/>
-              <a:t>Topic expansion (e.g.: debate about two-party system)</a:t>
+              <a:t>Topic expansion</a:t>
             </a:r>
           </a:p>
         </p:txBody>
@@ -5465,7 +5526,7 @@
             <a:fld id="{8A7A6979-0714-4377-B894-6BE4C2D6E202}" type="slidenum">
               <a:rPr lang="en-US" smtClean="0"/>
               <a:pPr/>
-              <a:t>6</a:t>
+              <a:t>5</a:t>
             </a:fld>
             <a:endParaRPr lang="en-US" dirty="0"/>
           </a:p>
@@ -5673,7 +5734,7 @@
             <a:fld id="{8A7A6979-0714-4377-B894-6BE4C2D6E202}" type="slidenum">
               <a:rPr lang="en-US" smtClean="0"/>
               <a:pPr/>
-              <a:t>7</a:t>
+              <a:t>6</a:t>
             </a:fld>
             <a:endParaRPr lang="en-US" dirty="0"/>
           </a:p>
@@ -5857,7 +5918,7 @@
             <a:fld id="{8A7A6979-0714-4377-B894-6BE4C2D6E202}" type="slidenum">
               <a:rPr lang="en-US" smtClean="0"/>
               <a:pPr/>
-              <a:t>8</a:t>
+              <a:t>7</a:t>
             </a:fld>
             <a:endParaRPr lang="en-US" dirty="0"/>
           </a:p>
@@ -6072,7 +6133,7 @@
             <a:fld id="{8A7A6979-0714-4377-B894-6BE4C2D6E202}" type="slidenum">
               <a:rPr lang="en-US" smtClean="0"/>
               <a:pPr/>
-              <a:t>9</a:t>
+              <a:t>8</a:t>
             </a:fld>
             <a:endParaRPr lang="en-US" dirty="0"/>
           </a:p>
@@ -6262,7 +6323,7 @@
             <a:fld id="{8A7A6979-0714-4377-B894-6BE4C2D6E202}" type="slidenum">
               <a:rPr lang="en-US" smtClean="0"/>
               <a:pPr/>
-              <a:t>10</a:t>
+              <a:t>9</a:t>
             </a:fld>
             <a:endParaRPr lang="en-US" dirty="0"/>
           </a:p>
